--- a/powerpoint2.pptx
+++ b/powerpoint2.pptx
@@ -4483,7 +4483,7 @@
             </a:pPr>
             <a:r>
               <a:rPr lang="pt-BR" sz="1200" dirty="0" smtClean="0"/>
-              <a:t>Etc.</a:t>
+              <a:t>Terror/Suspense</a:t>
             </a:r>
           </a:p>
         </p:txBody>
@@ -4580,7 +4580,7 @@
             </a:pPr>
             <a:r>
               <a:rPr lang="pt-BR" sz="1200" dirty="0" smtClean="0"/>
-              <a:t>Etc.</a:t>
+              <a:t>Italiano</a:t>
             </a:r>
           </a:p>
         </p:txBody>
